--- a/requirements/Animals4Telugu.pptx
+++ b/requirements/Animals4Telugu.pptx
@@ -36,8 +36,9 @@
     <p:sldId id="292" r:id="rId30"/>
     <p:sldId id="294" r:id="rId31"/>
     <p:sldId id="295" r:id="rId32"/>
-    <p:sldId id="296" r:id="rId33"/>
-    <p:sldId id="297" r:id="rId34"/>
+    <p:sldId id="299" r:id="rId33"/>
+    <p:sldId id="296" r:id="rId34"/>
+    <p:sldId id="297" r:id="rId35"/>
   </p:sldIdLst>
   <p:sldSz cx="12192000" cy="6858000"/>
   <p:notesSz cx="6858000" cy="9144000"/>
@@ -11967,6 +11968,223 @@
       </p:sp>
       <p:sp>
         <p:nvSpPr>
+          <p:cNvPr id="5" name="TextBox 4">
+            <a:extLst>
+              <a:ext uri="{FF2B5EF4-FFF2-40B4-BE49-F238E27FC236}">
+                <a16:creationId xmlns:a16="http://schemas.microsoft.com/office/drawing/2014/main" id="{C7077660-74C0-4DBB-8DC2-279AFAEC97A8}"/>
+              </a:ext>
+            </a:extLst>
+          </p:cNvPr>
+          <p:cNvSpPr txBox="1"/>
+          <p:nvPr/>
+        </p:nvSpPr>
+        <p:spPr>
+          <a:xfrm>
+            <a:off x="338665" y="940576"/>
+            <a:ext cx="11064449" cy="1477328"/>
+          </a:xfrm>
+          <a:prstGeom prst="rect">
+            <a:avLst/>
+          </a:prstGeom>
+          <a:noFill/>
+        </p:spPr>
+        <p:txBody>
+          <a:bodyPr wrap="square">
+            <a:spAutoFit/>
+          </a:bodyPr>
+          <a:lstStyle/>
+          <a:p>
+            <a:r>
+              <a:rPr lang="en-US" dirty="0"/>
+              <a:t>Table:  </a:t>
+            </a:r>
+            <a:r>
+              <a:rPr lang="en-US" dirty="0" err="1"/>
+              <a:t>puzzle_words</a:t>
+            </a:r>
+            <a:endParaRPr lang="en-US" dirty="0"/>
+          </a:p>
+          <a:p>
+            <a:endParaRPr lang="en-US" dirty="0"/>
+          </a:p>
+          <a:p>
+            <a:r>
+              <a:rPr lang="en-US" dirty="0"/>
+              <a:t>Table: </a:t>
+            </a:r>
+            <a:r>
+              <a:rPr lang="en-US" dirty="0" err="1"/>
+              <a:t>custom_words</a:t>
+            </a:r>
+            <a:endParaRPr lang="en-US" dirty="0"/>
+          </a:p>
+          <a:p>
+            <a:endParaRPr lang="en-US" dirty="0"/>
+          </a:p>
+          <a:p>
+            <a:r>
+              <a:rPr lang="en-US" dirty="0"/>
+              <a:t>Table: preferences</a:t>
+            </a:r>
+          </a:p>
+        </p:txBody>
+      </p:sp>
+      <p:sp>
+        <p:nvSpPr>
+          <p:cNvPr id="6" name="TextBox 5">
+            <a:extLst>
+              <a:ext uri="{FF2B5EF4-FFF2-40B4-BE49-F238E27FC236}">
+                <a16:creationId xmlns:a16="http://schemas.microsoft.com/office/drawing/2014/main" id="{4BACBC6E-5C3D-4F07-8F60-0EB8C154541A}"/>
+              </a:ext>
+            </a:extLst>
+          </p:cNvPr>
+          <p:cNvSpPr txBox="1"/>
+          <p:nvPr/>
+        </p:nvSpPr>
+        <p:spPr>
+          <a:xfrm>
+            <a:off x="338665" y="101355"/>
+            <a:ext cx="11290117" cy="584775"/>
+          </a:xfrm>
+          <a:prstGeom prst="rect">
+            <a:avLst/>
+          </a:prstGeom>
+          <a:noFill/>
+        </p:spPr>
+        <p:txBody>
+          <a:bodyPr wrap="square">
+            <a:spAutoFit/>
+          </a:bodyPr>
+          <a:lstStyle/>
+          <a:p>
+            <a:r>
+              <a:rPr lang="en-US" sz="3200" b="1" dirty="0">
+                <a:solidFill>
+                  <a:srgbClr val="00B050"/>
+                </a:solidFill>
+              </a:rPr>
+              <a:t>Database Schema (TBD)</a:t>
+            </a:r>
+          </a:p>
+        </p:txBody>
+      </p:sp>
+      <p:pic>
+        <p:nvPicPr>
+          <p:cNvPr id="3" name="Picture 2">
+            <a:extLst>
+              <a:ext uri="{FF2B5EF4-FFF2-40B4-BE49-F238E27FC236}">
+                <a16:creationId xmlns:a16="http://schemas.microsoft.com/office/drawing/2014/main" id="{A6972C15-CECC-46A3-A98D-6E631A1F8B29}"/>
+              </a:ext>
+            </a:extLst>
+          </p:cNvPr>
+          <p:cNvPicPr>
+            <a:picLocks noChangeAspect="1"/>
+          </p:cNvPicPr>
+          <p:nvPr/>
+        </p:nvPicPr>
+        <p:blipFill>
+          <a:blip r:embed="rId2"/>
+          <a:stretch>
+            <a:fillRect/>
+          </a:stretch>
+        </p:blipFill>
+        <p:spPr>
+          <a:xfrm>
+            <a:off x="955989" y="2417904"/>
+            <a:ext cx="4914900" cy="2066925"/>
+          </a:xfrm>
+          <a:prstGeom prst="rect">
+            <a:avLst/>
+          </a:prstGeom>
+        </p:spPr>
+      </p:pic>
+    </p:spTree>
+    <p:extLst>
+      <p:ext uri="{BB962C8B-B14F-4D97-AF65-F5344CB8AC3E}">
+        <p14:creationId xmlns:p14="http://schemas.microsoft.com/office/powerpoint/2010/main" val="4258517826"/>
+      </p:ext>
+    </p:extLst>
+  </p:cSld>
+  <p:clrMapOvr>
+    <a:masterClrMapping/>
+  </p:clrMapOvr>
+</p:sld>
+</file>
+
+<file path=ppt/slides/slide33.xml><?xml version="1.0" encoding="utf-8"?>
+<p:sld xmlns:a="http://schemas.openxmlformats.org/drawingml/2006/main" xmlns:r="http://schemas.openxmlformats.org/officeDocument/2006/relationships" xmlns:p="http://schemas.openxmlformats.org/presentationml/2006/main">
+  <p:cSld>
+    <p:spTree>
+      <p:nvGrpSpPr>
+        <p:cNvPr id="1" name=""/>
+        <p:cNvGrpSpPr/>
+        <p:nvPr/>
+      </p:nvGrpSpPr>
+      <p:grpSpPr>
+        <a:xfrm>
+          <a:off x="0" y="0"/>
+          <a:ext cx="0" cy="0"/>
+          <a:chOff x="0" y="0"/>
+          <a:chExt cx="0" cy="0"/>
+        </a:xfrm>
+      </p:grpSpPr>
+      <p:sp>
+        <p:nvSpPr>
+          <p:cNvPr id="4" name="Title Placeholder 1">
+            <a:extLst>
+              <a:ext uri="{FF2B5EF4-FFF2-40B4-BE49-F238E27FC236}">
+                <a16:creationId xmlns:a16="http://schemas.microsoft.com/office/drawing/2014/main" id="{654C5544-8990-440B-994C-5C56CA5F4814}"/>
+              </a:ext>
+            </a:extLst>
+          </p:cNvPr>
+          <p:cNvSpPr txBox="1">
+            <a:spLocks/>
+          </p:cNvSpPr>
+          <p:nvPr/>
+        </p:nvSpPr>
+        <p:spPr>
+          <a:xfrm>
+            <a:off x="97194" y="6344817"/>
+            <a:ext cx="12094806" cy="513183"/>
+          </a:xfrm>
+          <a:prstGeom prst="rect">
+            <a:avLst/>
+          </a:prstGeom>
+        </p:spPr>
+        <p:txBody>
+          <a:bodyPr vert="horz" lIns="91440" tIns="45720" rIns="91440" bIns="45720" rtlCol="0" anchor="ctr">
+            <a:normAutofit/>
+          </a:bodyPr>
+          <a:lstStyle>
+            <a:lvl1pPr algn="ctr" defTabSz="914400" rtl="0" eaLnBrk="1" latinLnBrk="0" hangingPunct="1">
+              <a:lnSpc>
+                <a:spcPct val="90000"/>
+              </a:lnSpc>
+              <a:spcBef>
+                <a:spcPct val="0"/>
+              </a:spcBef>
+              <a:buNone/>
+              <a:defRPr sz="1800" kern="1200">
+                <a:solidFill>
+                  <a:schemeClr val="tx1"/>
+                </a:solidFill>
+                <a:latin typeface="+mj-lt"/>
+                <a:ea typeface="+mj-ea"/>
+                <a:cs typeface="+mj-cs"/>
+              </a:defRPr>
+            </a:lvl1pPr>
+          </a:lstStyle>
+          <a:p>
+            <a:r>
+              <a:rPr lang="en-US"/>
+              <a:t>Siva.Jasthi@metrostate.edu                                  Cows N Bulls for Telugu                                                               ICS 499 Summer 2022</a:t>
+            </a:r>
+            <a:endParaRPr lang="en-US" dirty="0"/>
+          </a:p>
+        </p:txBody>
+      </p:sp>
+      <p:sp>
+        <p:nvSpPr>
           <p:cNvPr id="6" name="TextBox 5">
             <a:extLst>
               <a:ext uri="{FF2B5EF4-FFF2-40B4-BE49-F238E27FC236}">
@@ -12670,7 +12888,7 @@
 </p:sld>
 </file>
 
-<file path=ppt/slides/slide33.xml><?xml version="1.0" encoding="utf-8"?>
+<file path=ppt/slides/slide34.xml><?xml version="1.0" encoding="utf-8"?>
 <p:sld xmlns:a="http://schemas.openxmlformats.org/drawingml/2006/main" xmlns:r="http://schemas.openxmlformats.org/officeDocument/2006/relationships" xmlns:p="http://schemas.openxmlformats.org/presentationml/2006/main">
   <p:cSld>
     <p:spTree>
